--- a/GroupA/Presentations/PosterGroupA-Final.pptx
+++ b/GroupA/Presentations/PosterGroupA-Final.pptx
@@ -120,7 +120,7 @@
       </p14:sectionLst>
     </p:ext>
     <p:ext uri="{EFAFB233-063F-42B5-8137-9DF3F51BA10A}">
-      <p15:sldGuideLst xmlns:p15="http://schemas.microsoft.com/office/powerpoint/2012/main">
+      <p15:sldGuideLst xmlns:p15="http://schemas.microsoft.com/office/powerpoint/2012/main" xmlns="">
         <p15:guide id="1" orient="horz" pos="5980">
           <p15:clr>
             <a:srgbClr val="A4A3A4"/>
@@ -199,7 +199,7 @@
       </p15:sldGuideLst>
     </p:ext>
     <p:ext uri="{2D200454-40CA-4A62-9FC3-DE9A4176ACB9}">
-      <p15:notesGuideLst xmlns:p15="http://schemas.microsoft.com/office/powerpoint/2012/main">
+      <p15:notesGuideLst xmlns:p15="http://schemas.microsoft.com/office/powerpoint/2012/main" xmlns="">
         <p15:guide id="1" orient="horz" pos="2880">
           <p15:clr>
             <a:srgbClr val="A4A3A4"/>
@@ -299,7 +299,7 @@
             <a:fld id="{DA11084A-9343-4191-9677-8C37E61AEDC2}" type="datetimeFigureOut">
               <a:rPr lang="de-DE" smtClean="0"/>
               <a:pPr/>
-              <a:t>18.10.2015</a:t>
+              <a:t>24.10.2015</a:t>
             </a:fld>
             <a:endParaRPr lang="de-DE"/>
           </a:p>
@@ -1759,7 +1759,7 @@
           <a:p>
             <a:pPr algn="ctr"/>
             <a:r>
-              <a:rPr lang="en-US" noProof="0" dirty="0" err="1" smtClean="0"/>
+              <a:rPr lang="en-US" noProof="0" dirty="0" smtClean="0"/>
               <a:t>Lorem</a:t>
             </a:r>
             <a:r>
@@ -9793,9 +9793,9 @@
             <a:fld id="{A30060FD-40F4-4AB3-9DE0-6CCEC093E088}" type="datetimeFigureOut">
               <a:rPr lang="en-IE" smtClean="0"/>
               <a:pPr/>
-              <a:t>18/10/2015</a:t>
+              <a:t>24/10/2015</a:t>
             </a:fld>
-            <a:endParaRPr lang="en-IE"/>
+            <a:endParaRPr lang="en-IE" dirty="0"/>
           </a:p>
         </p:txBody>
       </p:sp>
@@ -9814,7 +9814,7 @@
           <a:bodyPr/>
           <a:lstStyle/>
           <a:p>
-            <a:endParaRPr lang="en-IE"/>
+            <a:endParaRPr lang="en-IE" dirty="0"/>
           </a:p>
         </p:txBody>
       </p:sp>
@@ -9961,9 +9961,9 @@
             <a:fld id="{A30060FD-40F4-4AB3-9DE0-6CCEC093E088}" type="datetimeFigureOut">
               <a:rPr lang="en-IE" smtClean="0"/>
               <a:pPr/>
-              <a:t>18/10/2015</a:t>
+              <a:t>24/10/2015</a:t>
             </a:fld>
-            <a:endParaRPr lang="en-IE"/>
+            <a:endParaRPr lang="en-IE" dirty="0"/>
           </a:p>
         </p:txBody>
       </p:sp>
@@ -9982,7 +9982,7 @@
           <a:bodyPr/>
           <a:lstStyle/>
           <a:p>
-            <a:endParaRPr lang="en-IE"/>
+            <a:endParaRPr lang="en-IE" dirty="0"/>
           </a:p>
         </p:txBody>
       </p:sp>
@@ -10205,9 +10205,9 @@
             <a:fld id="{A30060FD-40F4-4AB3-9DE0-6CCEC093E088}" type="datetimeFigureOut">
               <a:rPr lang="en-IE" smtClean="0"/>
               <a:pPr/>
-              <a:t>18/10/2015</a:t>
+              <a:t>24/10/2015</a:t>
             </a:fld>
-            <a:endParaRPr lang="en-IE"/>
+            <a:endParaRPr lang="en-IE" dirty="0"/>
           </a:p>
         </p:txBody>
       </p:sp>
@@ -10226,7 +10226,7 @@
           <a:bodyPr/>
           <a:lstStyle/>
           <a:p>
-            <a:endParaRPr lang="en-IE"/>
+            <a:endParaRPr lang="en-IE" dirty="0"/>
           </a:p>
         </p:txBody>
       </p:sp>
@@ -10491,9 +10491,9 @@
             <a:fld id="{A30060FD-40F4-4AB3-9DE0-6CCEC093E088}" type="datetimeFigureOut">
               <a:rPr lang="en-IE" smtClean="0"/>
               <a:pPr/>
-              <a:t>18/10/2015</a:t>
+              <a:t>24/10/2015</a:t>
             </a:fld>
-            <a:endParaRPr lang="en-IE"/>
+            <a:endParaRPr lang="en-IE" dirty="0"/>
           </a:p>
         </p:txBody>
       </p:sp>
@@ -10512,7 +10512,7 @@
           <a:bodyPr/>
           <a:lstStyle/>
           <a:p>
-            <a:endParaRPr lang="en-IE"/>
+            <a:endParaRPr lang="en-IE" dirty="0"/>
           </a:p>
         </p:txBody>
       </p:sp>
@@ -10916,9 +10916,9 @@
             <a:fld id="{A30060FD-40F4-4AB3-9DE0-6CCEC093E088}" type="datetimeFigureOut">
               <a:rPr lang="en-IE" smtClean="0"/>
               <a:pPr/>
-              <a:t>18/10/2015</a:t>
+              <a:t>24/10/2015</a:t>
             </a:fld>
-            <a:endParaRPr lang="en-IE"/>
+            <a:endParaRPr lang="en-IE" dirty="0"/>
           </a:p>
         </p:txBody>
       </p:sp>
@@ -10937,7 +10937,7 @@
           <a:bodyPr/>
           <a:lstStyle/>
           <a:p>
-            <a:endParaRPr lang="en-IE"/>
+            <a:endParaRPr lang="en-IE" dirty="0"/>
           </a:p>
         </p:txBody>
       </p:sp>
@@ -11449,9 +11449,9 @@
             <a:fld id="{A30060FD-40F4-4AB3-9DE0-6CCEC093E088}" type="datetimeFigureOut">
               <a:rPr lang="en-IE" smtClean="0"/>
               <a:pPr/>
-              <a:t>18/10/2015</a:t>
+              <a:t>24/10/2015</a:t>
             </a:fld>
-            <a:endParaRPr lang="en-IE"/>
+            <a:endParaRPr lang="en-IE" dirty="0"/>
           </a:p>
         </p:txBody>
       </p:sp>
@@ -11470,7 +11470,7 @@
           <a:bodyPr/>
           <a:lstStyle/>
           <a:p>
-            <a:endParaRPr lang="en-IE"/>
+            <a:endParaRPr lang="en-IE" dirty="0"/>
           </a:p>
         </p:txBody>
       </p:sp>
@@ -11542,9 +11542,9 @@
             <a:fld id="{A30060FD-40F4-4AB3-9DE0-6CCEC093E088}" type="datetimeFigureOut">
               <a:rPr lang="en-IE" smtClean="0"/>
               <a:pPr/>
-              <a:t>18/10/2015</a:t>
+              <a:t>24/10/2015</a:t>
             </a:fld>
-            <a:endParaRPr lang="en-IE"/>
+            <a:endParaRPr lang="en-IE" dirty="0"/>
           </a:p>
         </p:txBody>
       </p:sp>
@@ -11563,7 +11563,7 @@
           <a:bodyPr/>
           <a:lstStyle/>
           <a:p>
-            <a:endParaRPr lang="en-IE"/>
+            <a:endParaRPr lang="en-IE" dirty="0"/>
           </a:p>
         </p:txBody>
       </p:sp>
@@ -11824,9 +11824,9 @@
             <a:fld id="{A30060FD-40F4-4AB3-9DE0-6CCEC093E088}" type="datetimeFigureOut">
               <a:rPr lang="en-IE" smtClean="0"/>
               <a:pPr/>
-              <a:t>18/10/2015</a:t>
+              <a:t>24/10/2015</a:t>
             </a:fld>
-            <a:endParaRPr lang="en-IE"/>
+            <a:endParaRPr lang="en-IE" dirty="0"/>
           </a:p>
         </p:txBody>
       </p:sp>
@@ -11845,7 +11845,7 @@
           <a:bodyPr/>
           <a:lstStyle/>
           <a:p>
-            <a:endParaRPr lang="en-IE"/>
+            <a:endParaRPr lang="en-IE" dirty="0"/>
           </a:p>
         </p:txBody>
       </p:sp>
@@ -11995,7 +11995,7 @@
             </a:lvl9pPr>
           </a:lstStyle>
           <a:p>
-            <a:endParaRPr lang="en-IE"/>
+            <a:endParaRPr lang="en-IE" dirty="0"/>
           </a:p>
         </p:txBody>
       </p:sp>
@@ -12082,9 +12082,9 @@
             <a:fld id="{A30060FD-40F4-4AB3-9DE0-6CCEC093E088}" type="datetimeFigureOut">
               <a:rPr lang="en-IE" smtClean="0"/>
               <a:pPr/>
-              <a:t>18/10/2015</a:t>
+              <a:t>24/10/2015</a:t>
             </a:fld>
-            <a:endParaRPr lang="en-IE"/>
+            <a:endParaRPr lang="en-IE" dirty="0"/>
           </a:p>
         </p:txBody>
       </p:sp>
@@ -12103,7 +12103,7 @@
           <a:bodyPr/>
           <a:lstStyle/>
           <a:p>
-            <a:endParaRPr lang="en-IE"/>
+            <a:endParaRPr lang="en-IE" dirty="0"/>
           </a:p>
         </p:txBody>
       </p:sp>
@@ -16367,7 +16367,7 @@
             <a:fld id="{A30060FD-40F4-4AB3-9DE0-6CCEC093E088}" type="datetimeFigureOut">
               <a:rPr lang="en-IE" smtClean="0"/>
               <a:pPr/>
-              <a:t>18/10/2015</a:t>
+              <a:t>24/10/2015</a:t>
             </a:fld>
             <a:endParaRPr lang="en-IE" dirty="0"/>
           </a:p>
@@ -16843,8 +16843,8 @@
         </p:nvSpPr>
         <p:spPr>
           <a:xfrm>
-            <a:off x="17134455" y="33089754"/>
-            <a:ext cx="11864336" cy="6136215"/>
+            <a:off x="17236850" y="33785818"/>
+            <a:ext cx="11864336" cy="5778308"/>
           </a:xfrm>
           <a:prstGeom prst="roundRect">
             <a:avLst/>
@@ -16883,7 +16883,7 @@
           <a:lstStyle/>
           <a:p>
             <a:pPr algn="ctr"/>
-            <a:endParaRPr lang="en-US"/>
+            <a:endParaRPr lang="en-US" dirty="0"/>
           </a:p>
         </p:txBody>
       </p:sp>
@@ -16897,7 +16897,7 @@
         </p:nvSpPr>
         <p:spPr>
           <a:xfrm>
-            <a:off x="5186919" y="1992948"/>
+            <a:off x="4822901" y="1492463"/>
             <a:ext cx="25062850" cy="4356484"/>
           </a:xfrm>
           <a:prstGeom prst="rect">
@@ -16929,7 +16929,7 @@
                   <a:srgbClr val="1D6CAE"/>
                 </a:solidFill>
               </a:rPr>
-              <a:t>Semantic Approach to Enterprise Architecture</a:t>
+              <a:t>Conceptual Framework for Consumer Electronic Enterprise Architecture</a:t>
             </a:r>
           </a:p>
         </p:txBody>
@@ -17334,18 +17334,7 @@
           </a:lstStyle>
           <a:p>
             <a:pPr algn="l"/>
-            <a:r>
-              <a:rPr lang="en-GB" sz="8000" dirty="0" smtClean="0"/>
-              <a:t>Enterprise</a:t>
-            </a:r>
-          </a:p>
-          <a:p>
-            <a:pPr algn="l"/>
-            <a:r>
-              <a:rPr lang="en-GB" sz="8000" dirty="0" smtClean="0"/>
-              <a:t>Information Systems</a:t>
-            </a:r>
-            <a:endParaRPr lang="en-US" sz="8000" dirty="0" smtClean="0"/>
+            <a:endParaRPr lang="en-GB" sz="8000" dirty="0" smtClean="0"/>
           </a:p>
         </p:txBody>
       </p:sp>
@@ -17386,74 +17375,10 @@
           </a:lstStyle>
           <a:p>
             <a:pPr algn="l"/>
-            <a:r>
-              <a:rPr lang="en-GB" sz="28700" b="1" dirty="0" smtClean="0">
-                <a:solidFill>
-                  <a:srgbClr val="00B050"/>
-                </a:solidFill>
-              </a:rPr>
-              <a:t>E</a:t>
-            </a:r>
-            <a:r>
-              <a:rPr lang="en-GB" sz="28700" b="1" dirty="0" smtClean="0"/>
-              <a:t>I</a:t>
-            </a:r>
-            <a:r>
-              <a:rPr lang="en-GB" sz="28700" b="1" dirty="0" smtClean="0">
-                <a:solidFill>
-                  <a:schemeClr val="accent1">
-                    <a:lumMod val="75000"/>
-                  </a:schemeClr>
-                </a:solidFill>
-              </a:rPr>
-              <a:t>S</a:t>
-            </a:r>
             <a:endParaRPr lang="en-US" sz="28700" b="1" dirty="0" smtClean="0">
               <a:solidFill>
                 <a:schemeClr val="accent1">
                   <a:lumMod val="75000"/>
-                </a:schemeClr>
-              </a:solidFill>
-            </a:endParaRPr>
-          </a:p>
-        </p:txBody>
-      </p:sp>
-      <p:sp>
-        <p:nvSpPr>
-          <p:cNvPr id="23" name="TextBox 22"/>
-          <p:cNvSpPr txBox="1"/>
-          <p:nvPr/>
-        </p:nvSpPr>
-        <p:spPr>
-          <a:xfrm>
-            <a:off x="9451355" y="4264771"/>
-            <a:ext cx="14941660" cy="1107996"/>
-          </a:xfrm>
-          <a:prstGeom prst="rect">
-            <a:avLst/>
-          </a:prstGeom>
-          <a:noFill/>
-        </p:spPr>
-        <p:txBody>
-          <a:bodyPr wrap="square" rtlCol="0">
-            <a:spAutoFit/>
-          </a:bodyPr>
-          <a:lstStyle/>
-          <a:p>
-            <a:r>
-              <a:rPr lang="en-US" sz="6600" b="1" i="1" dirty="0" smtClean="0">
-                <a:solidFill>
-                  <a:schemeClr val="bg1">
-                    <a:lumMod val="50000"/>
-                  </a:schemeClr>
-                </a:solidFill>
-              </a:rPr>
-              <a:t>For a Consumer Electronic Enterprise</a:t>
-            </a:r>
-            <a:endParaRPr lang="en-US" sz="6600" b="1" i="1" dirty="0">
-              <a:solidFill>
-                <a:schemeClr val="bg1">
-                  <a:lumMod val="50000"/>
                 </a:schemeClr>
               </a:solidFill>
             </a:endParaRPr>
@@ -17847,7 +17772,7 @@
           <a:lstStyle/>
           <a:p>
             <a:pPr algn="ctr"/>
-            <a:endParaRPr lang="en-US"/>
+            <a:endParaRPr lang="en-US" dirty="0"/>
           </a:p>
         </p:txBody>
       </p:sp>
@@ -17933,7 +17858,7 @@
           <a:lstStyle/>
           <a:p>
             <a:pPr algn="ctr"/>
-            <a:endParaRPr lang="en-US"/>
+            <a:endParaRPr lang="en-US" dirty="0"/>
           </a:p>
         </p:txBody>
       </p:sp>
@@ -18060,7 +17985,7 @@
           <a:lstStyle/>
           <a:p>
             <a:pPr algn="ctr"/>
-            <a:endParaRPr lang="en-US"/>
+            <a:endParaRPr lang="en-US" dirty="0"/>
           </a:p>
         </p:txBody>
       </p:sp>
@@ -18260,8 +18185,8 @@
         </p:nvSpPr>
         <p:spPr>
           <a:xfrm>
-            <a:off x="16220108" y="22230767"/>
-            <a:ext cx="12709412" cy="1815882"/>
+            <a:off x="16220108" y="21519204"/>
+            <a:ext cx="12709412" cy="1200329"/>
           </a:xfrm>
           <a:prstGeom prst="rect">
             <a:avLst/>
@@ -18285,12 +18210,6 @@
               </a:rPr>
               <a:t>Evaluation</a:t>
             </a:r>
-          </a:p>
-          <a:p>
-            <a:pPr marL="857250" lvl="0" indent="-857250">
-              <a:buFont typeface="Arial" panose="020B0604020202020204" pitchFamily="34" charset="0"/>
-              <a:buChar char="•"/>
-            </a:pPr>
             <a:endParaRPr lang="en-US" sz="4000" dirty="0" smtClean="0">
               <a:solidFill>
                 <a:prstClr val="black"/>
@@ -18330,22 +18249,10 @@
             </a:r>
             <a:r>
               <a:rPr lang="en-US" sz="3200" dirty="0"/>
-              <a:t>: Shirin Ameri, Shiva </a:t>
-            </a:r>
-            <a:r>
-              <a:rPr lang="en-US" sz="3200" dirty="0" err="1"/>
-              <a:t>Shokuhi</a:t>
-            </a:r>
-            <a:r>
-              <a:rPr lang="en-US" sz="3200" dirty="0"/>
-              <a:t>, Eliza </a:t>
-            </a:r>
-            <a:r>
-              <a:rPr lang="en-US" sz="3200" dirty="0" err="1"/>
-              <a:t>K</a:t>
-            </a:r>
-            <a:r>
-              <a:rPr lang="en-US" sz="3200" dirty="0" err="1" smtClean="0"/>
+              <a:t>: Shirin Ameri, Shiva Shokuhi, Eliza K</a:t>
+            </a:r>
+            <a:r>
+              <a:rPr lang="en-US" sz="3200" dirty="0" smtClean="0"/>
               <a:t>oshtoyan</a:t>
             </a:r>
             <a:r>
@@ -18410,7 +18317,7 @@
         </p:blipFill>
         <p:spPr bwMode="auto">
           <a:xfrm>
-            <a:off x="17455415" y="37816479"/>
+            <a:off x="17587011" y="38231976"/>
             <a:ext cx="1332149" cy="1332149"/>
           </a:xfrm>
           <a:prstGeom prst="rect">
@@ -18427,7 +18334,7 @@
         </p:nvSpPr>
         <p:spPr>
           <a:xfrm>
-            <a:off x="18868755" y="38190670"/>
+            <a:off x="19000351" y="38606167"/>
             <a:ext cx="8208912" cy="400110"/>
           </a:xfrm>
           <a:prstGeom prst="rect">
@@ -18625,7 +18532,7 @@
           <a:lstStyle/>
           <a:p>
             <a:pPr algn="ctr"/>
-            <a:endParaRPr lang="en-US"/>
+            <a:endParaRPr lang="en-US" dirty="0"/>
           </a:p>
         </p:txBody>
       </p:sp>
@@ -18665,7 +18572,7 @@
           <a:lstStyle/>
           <a:p>
             <a:pPr algn="ctr"/>
-            <a:endParaRPr lang="en-US"/>
+            <a:endParaRPr lang="en-US" dirty="0"/>
           </a:p>
         </p:txBody>
       </p:sp>
@@ -18703,7 +18610,7 @@
           <a:lstStyle/>
           <a:p>
             <a:pPr algn="ctr"/>
-            <a:endParaRPr lang="en-US"/>
+            <a:endParaRPr lang="en-US" dirty="0"/>
           </a:p>
         </p:txBody>
       </p:sp>
@@ -18734,7 +18641,7 @@
               <a:t>For modelling the Application, Data and Technology layer , we use </a:t>
             </a:r>
             <a:r>
-              <a:rPr lang="en-US" sz="2400" b="1" dirty="0" err="1" smtClean="0"/>
+              <a:rPr lang="en-US" sz="2400" b="1" dirty="0" smtClean="0"/>
               <a:t>Archimate</a:t>
             </a:r>
             <a:r>
@@ -18789,7 +18696,7 @@
           <a:lstStyle/>
           <a:p>
             <a:pPr algn="ctr"/>
-            <a:endParaRPr lang="en-US"/>
+            <a:endParaRPr lang="en-US" dirty="0"/>
           </a:p>
         </p:txBody>
       </p:sp>
@@ -20025,7 +19932,7 @@
         </p:nvCxnSpPr>
         <p:spPr>
           <a:xfrm>
-            <a:off x="0" y="21938179"/>
+            <a:off x="0" y="21575076"/>
             <a:ext cx="30279975" cy="4556"/>
           </a:xfrm>
           <a:prstGeom prst="line">
@@ -20056,8 +19963,8 @@
         </p:nvCxnSpPr>
         <p:spPr>
           <a:xfrm flipH="1">
-            <a:off x="15680049" y="21906731"/>
-            <a:ext cx="35285" cy="17808763"/>
+            <a:off x="15680050" y="21579632"/>
+            <a:ext cx="35932" cy="18135862"/>
           </a:xfrm>
           <a:prstGeom prst="line">
             <a:avLst/>
@@ -20106,7 +20013,7 @@
               <a:t>Mentor: Michael </a:t>
             </a:r>
             <a:r>
-              <a:rPr lang="en-US" sz="3200" dirty="0" err="1"/>
+              <a:rPr lang="en-US" sz="3200" dirty="0"/>
               <a:t>Galkin</a:t>
             </a:r>
             <a:endParaRPr lang="en-GB" sz="3200" dirty="0"/>
@@ -20154,8 +20061,8 @@
         </p:nvSpPr>
         <p:spPr>
           <a:xfrm flipH="1">
-            <a:off x="16184103" y="28171427"/>
-            <a:ext cx="12637404" cy="5347105"/>
+            <a:off x="16184103" y="26175539"/>
+            <a:ext cx="12637404" cy="3139321"/>
           </a:xfrm>
           <a:prstGeom prst="rect">
             <a:avLst/>
@@ -20177,11 +20084,18 @@
                   </a:schemeClr>
                 </a:solidFill>
               </a:rPr>
-              <a:t>Difficulties &amp; Challenges</a:t>
-            </a:r>
-          </a:p>
-          <a:p>
-            <a:pPr algn="just"/>
+              <a:t>Difficulties &amp; </a:t>
+            </a:r>
+            <a:r>
+              <a:rPr lang="en-GB" sz="5400" b="1" dirty="0" smtClean="0">
+                <a:solidFill>
+                  <a:schemeClr val="accent1">
+                    <a:lumMod val="75000"/>
+                  </a:schemeClr>
+                </a:solidFill>
+              </a:rPr>
+              <a:t>Challenges</a:t>
+            </a:r>
             <a:endParaRPr lang="en-US" sz="4000" dirty="0" smtClean="0">
               <a:ea typeface="Calibri" panose="020F0502020204030204" pitchFamily="34" charset="0"/>
               <a:cs typeface="Arial" panose="020B0604020202020204" pitchFamily="34" charset="0"/>
@@ -20238,29 +20152,6 @@
               <a:rPr lang="en-US" sz="3600" dirty="0" smtClean="0"/>
               <a:t>Integration of all diagrams </a:t>
             </a:r>
-            <a:endParaRPr lang="en-GB" sz="3600" dirty="0" smtClean="0"/>
-          </a:p>
-          <a:p>
-            <a:pPr marL="342900" marR="0" lvl="0" indent="-342900">
-              <a:lnSpc>
-                <a:spcPct val="107000"/>
-              </a:lnSpc>
-              <a:spcBef>
-                <a:spcPts val="0"/>
-              </a:spcBef>
-              <a:spcAft>
-                <a:spcPts val="800"/>
-              </a:spcAft>
-              <a:buFont typeface="Arial" pitchFamily="34" charset="0"/>
-              <a:buChar char="•"/>
-            </a:pPr>
-            <a:endParaRPr lang="en-US" sz="4000" dirty="0" smtClean="0">
-              <a:ea typeface="Calibri" panose="020F0502020204030204" pitchFamily="34" charset="0"/>
-              <a:cs typeface="Arial" panose="020B0604020202020204" pitchFamily="34" charset="0"/>
-            </a:endParaRPr>
-          </a:p>
-          <a:p>
-            <a:pPr algn="just"/>
             <a:endParaRPr lang="en-GB" sz="5400" b="1" dirty="0" smtClean="0">
               <a:solidFill>
                 <a:schemeClr val="accent1">
@@ -20279,7 +20170,7 @@
         </p:nvSpPr>
         <p:spPr>
           <a:xfrm flipH="1">
-            <a:off x="16292115" y="23418899"/>
+            <a:off x="16253375" y="22095344"/>
             <a:ext cx="12745416" cy="4662815"/>
           </a:xfrm>
           <a:prstGeom prst="rect">
@@ -20433,7 +20324,7 @@
         </p:nvCxnSpPr>
         <p:spPr>
           <a:xfrm>
-            <a:off x="15752055" y="27703375"/>
+            <a:off x="15793106" y="26119199"/>
             <a:ext cx="14527920" cy="36004"/>
           </a:xfrm>
           <a:prstGeom prst="line">
@@ -20464,7 +20355,7 @@
         </p:nvCxnSpPr>
         <p:spPr>
           <a:xfrm>
-            <a:off x="15716051" y="32671927"/>
+            <a:off x="15716051" y="33500019"/>
             <a:ext cx="14563924" cy="36004"/>
           </a:xfrm>
           <a:prstGeom prst="line">
@@ -20497,7 +20388,7 @@
         </p:nvSpPr>
         <p:spPr>
           <a:xfrm>
-            <a:off x="16808248" y="34400119"/>
+            <a:off x="16939844" y="34815616"/>
             <a:ext cx="10836606" cy="4896544"/>
           </a:xfrm>
           <a:prstGeom prst="rect">
@@ -20681,12 +20572,12 @@
               <a:t>Hostname: </a:t>
             </a:r>
             <a:r>
-              <a:rPr lang="en-US" b="1" dirty="0" err="1" smtClean="0">
+              <a:rPr lang="en-US" b="1" dirty="0" smtClean="0">
                 <a:solidFill>
                   <a:srgbClr val="D96709"/>
                 </a:solidFill>
               </a:rPr>
-              <a:t>vm-ea</a:t>
+              <a:t>vm-EAModel</a:t>
             </a:r>
             <a:endParaRPr lang="en-US" b="1" dirty="0">
               <a:solidFill>
@@ -20734,13 +20625,8 @@
                   <a:schemeClr val="tx1"/>
                 </a:solidFill>
               </a:rPr>
-              <a:t>EIS3</a:t>
-            </a:r>
-            <a:endParaRPr lang="en-US" dirty="0">
-              <a:solidFill>
-                <a:schemeClr val="tx1"/>
-              </a:solidFill>
-            </a:endParaRPr>
+              <a:t>EIS2</a:t>
+            </a:r>
           </a:p>
           <a:p>
             <a:pPr marL="2160000" algn="l">
@@ -20754,7 +20640,7 @@
                   <a:schemeClr val="tx1"/>
                 </a:solidFill>
               </a:rPr>
-              <a:t>XAMPP Package: MySQL 5.6.16</a:t>
+              <a:t>Windows 64 OS</a:t>
             </a:r>
           </a:p>
           <a:p>
@@ -20764,42 +20650,37 @@
               </a:spcBef>
             </a:pPr>
             <a:r>
+              <a:rPr lang="en-US" dirty="0">
+                <a:solidFill>
+                  <a:schemeClr val="tx1"/>
+                </a:solidFill>
+              </a:rPr>
+              <a:t>1</a:t>
+            </a:r>
+            <a:r>
               <a:rPr lang="en-US" dirty="0" smtClean="0">
                 <a:solidFill>
                   <a:schemeClr val="tx1"/>
                 </a:solidFill>
               </a:rPr>
-              <a:t>Apache </a:t>
-            </a:r>
-            <a:r>
-              <a:rPr lang="en-US" dirty="0">
-                <a:solidFill>
-                  <a:schemeClr val="tx1"/>
-                </a:solidFill>
-              </a:rPr>
-              <a:t>2.4.9, PHP </a:t>
-            </a:r>
-            <a:r>
-              <a:rPr lang="en-US" dirty="0" smtClean="0">
-                <a:solidFill>
-                  <a:schemeClr val="tx1"/>
-                </a:solidFill>
-              </a:rPr>
-              <a:t>5.5.11</a:t>
-            </a:r>
-            <a:endParaRPr lang="en-GB" dirty="0" smtClean="0">
-              <a:solidFill>
-                <a:schemeClr val="tx1"/>
-              </a:solidFill>
-            </a:endParaRPr>
-          </a:p>
-          <a:p>
-            <a:pPr algn="l">
+              <a:t>GB RAM</a:t>
+            </a:r>
+          </a:p>
+          <a:p>
+            <a:pPr marL="2160000" algn="l">
               <a:spcBef>
-                <a:spcPts val="600"/>
+                <a:spcPts val="0"/>
               </a:spcBef>
             </a:pPr>
-            <a:endParaRPr lang="en-GB" dirty="0" smtClean="0">
+            <a:r>
+              <a:rPr lang="en-US" dirty="0" smtClean="0">
+                <a:solidFill>
+                  <a:schemeClr val="tx1"/>
+                </a:solidFill>
+              </a:rPr>
+              <a:t>2 CPUs.</a:t>
+            </a:r>
+            <a:endParaRPr lang="en-US" dirty="0">
               <a:solidFill>
                 <a:schemeClr val="tx1"/>
               </a:solidFill>
@@ -20815,7 +20696,7 @@
         </p:nvSpPr>
         <p:spPr>
           <a:xfrm flipH="1">
-            <a:off x="24357011" y="34531329"/>
+            <a:off x="24488607" y="34946826"/>
             <a:ext cx="4440838" cy="1239380"/>
           </a:xfrm>
           <a:prstGeom prst="foldedCorner">
@@ -20872,20 +20753,12 @@
               <a:t>OS User: </a:t>
             </a:r>
             <a:r>
-              <a:rPr lang="en-US" sz="2400" b="1" dirty="0" err="1" smtClean="0">
+              <a:rPr lang="en-US" sz="2400" b="1" dirty="0" smtClean="0">
                 <a:solidFill>
                   <a:schemeClr val="accent6"/>
                 </a:solidFill>
               </a:rPr>
-              <a:t>eis</a:t>
-            </a:r>
-            <a:r>
-              <a:rPr lang="en-US" sz="2400" b="1" dirty="0" smtClean="0">
-                <a:solidFill>
-                  <a:schemeClr val="accent6"/>
-                </a:solidFill>
-              </a:rPr>
-              <a:t>-user</a:t>
+              <a:t>EA</a:t>
             </a:r>
             <a:endParaRPr lang="en-US" sz="2400" b="1" dirty="0">
               <a:solidFill>
@@ -20904,18 +20777,13 @@
               <a:t>Password: </a:t>
             </a:r>
             <a:r>
-              <a:rPr lang="en-GB" sz="2400" b="1" dirty="0" err="1" smtClean="0">
+              <a:rPr lang="en-GB" sz="2400" b="1" dirty="0" smtClean="0">
                 <a:solidFill>
                   <a:schemeClr val="accent6"/>
                 </a:solidFill>
               </a:rPr>
-              <a:t>enterprisearchi</a:t>
-            </a:r>
-            <a:endParaRPr lang="en-GB" sz="2400" b="1" dirty="0" smtClean="0">
-              <a:solidFill>
-                <a:schemeClr val="accent6"/>
-              </a:solidFill>
-            </a:endParaRPr>
+              <a:t>enterprise</a:t>
+            </a:r>
           </a:p>
         </p:txBody>
       </p:sp>
@@ -20942,7 +20810,7 @@
         </p:blipFill>
         <p:spPr bwMode="auto">
           <a:xfrm>
-            <a:off x="17624572" y="34361032"/>
+            <a:off x="17756168" y="34776529"/>
             <a:ext cx="1106827" cy="1165081"/>
           </a:xfrm>
           <a:prstGeom prst="rect">
@@ -20981,7 +20849,7 @@
         </p:nvSpPr>
         <p:spPr>
           <a:xfrm>
-            <a:off x="17581813" y="33370320"/>
+            <a:off x="17581813" y="33922772"/>
             <a:ext cx="11277376" cy="830997"/>
           </a:xfrm>
           <a:prstGeom prst="rect">
@@ -21010,131 +20878,6 @@
                 <a:schemeClr val="accent6">
                   <a:lumMod val="75000"/>
                 </a:schemeClr>
-              </a:solidFill>
-            </a:endParaRPr>
-          </a:p>
-        </p:txBody>
-      </p:sp>
-      <p:sp>
-        <p:nvSpPr>
-          <p:cNvPr id="96" name="Gefaltete Ecke 3"/>
-          <p:cNvSpPr/>
-          <p:nvPr/>
-        </p:nvSpPr>
-        <p:spPr>
-          <a:xfrm flipH="1">
-            <a:off x="24357011" y="36357695"/>
-            <a:ext cx="4440838" cy="1399019"/>
-          </a:xfrm>
-          <a:prstGeom prst="foldedCorner">
-            <a:avLst/>
-          </a:prstGeom>
-          <a:solidFill>
-            <a:schemeClr val="accent5">
-              <a:lumMod val="50000"/>
-            </a:schemeClr>
-          </a:solidFill>
-        </p:spPr>
-        <p:style>
-          <a:lnRef idx="2">
-            <a:schemeClr val="accent1">
-              <a:shade val="50000"/>
-            </a:schemeClr>
-          </a:lnRef>
-          <a:fillRef idx="1">
-            <a:schemeClr val="accent1"/>
-          </a:fillRef>
-          <a:effectRef idx="0">
-            <a:schemeClr val="accent1"/>
-          </a:effectRef>
-          <a:fontRef idx="minor">
-            <a:schemeClr val="lt1"/>
-          </a:fontRef>
-        </p:style>
-        <p:txBody>
-          <a:bodyPr rtlCol="0" anchor="t"/>
-          <a:lstStyle/>
-          <a:p>
-            <a:pPr algn="ctr">
-              <a:spcAft>
-                <a:spcPts val="600"/>
-              </a:spcAft>
-            </a:pPr>
-            <a:r>
-              <a:rPr lang="en-GB" sz="2400" b="1" dirty="0">
-                <a:solidFill>
-                  <a:schemeClr val="bg1"/>
-                </a:solidFill>
-              </a:rPr>
-              <a:t>Remote Access:</a:t>
-            </a:r>
-            <a:endParaRPr lang="en-US" sz="2400" b="1" dirty="0">
-              <a:solidFill>
-                <a:schemeClr val="bg1"/>
-              </a:solidFill>
-            </a:endParaRPr>
-          </a:p>
-          <a:p>
-            <a:pPr algn="ctr"/>
-            <a:r>
-              <a:rPr lang="en-US" sz="2400" b="1" dirty="0">
-                <a:solidFill>
-                  <a:schemeClr val="bg1"/>
-                </a:solidFill>
-              </a:rPr>
-              <a:t>Partner ID: </a:t>
-            </a:r>
-            <a:r>
-              <a:rPr lang="en-US" sz="2400" b="1" dirty="0">
-                <a:solidFill>
-                  <a:schemeClr val="accent6"/>
-                </a:solidFill>
-              </a:rPr>
-              <a:t>51220xxxx</a:t>
-            </a:r>
-            <a:r>
-              <a:rPr lang="en-US" sz="2400" dirty="0">
-                <a:solidFill>
-                  <a:schemeClr val="bg1"/>
-                </a:solidFill>
-              </a:rPr>
-              <a:t> </a:t>
-            </a:r>
-            <a:endParaRPr lang="en-US" sz="2400" dirty="0" smtClean="0">
-              <a:solidFill>
-                <a:schemeClr val="bg1"/>
-              </a:solidFill>
-            </a:endParaRPr>
-          </a:p>
-          <a:p>
-            <a:pPr algn="ctr"/>
-            <a:r>
-              <a:rPr lang="en-US" sz="2400" b="1" dirty="0" smtClean="0">
-                <a:solidFill>
-                  <a:schemeClr val="bg1"/>
-                </a:solidFill>
-              </a:rPr>
-              <a:t>Password</a:t>
-            </a:r>
-            <a:r>
-              <a:rPr lang="en-US" sz="2400" b="1" dirty="0">
-                <a:solidFill>
-                  <a:schemeClr val="bg1"/>
-                </a:solidFill>
-              </a:rPr>
-              <a:t>: </a:t>
-            </a:r>
-            <a:r>
-              <a:rPr lang="en-GB" sz="2400" b="1" dirty="0" err="1" smtClean="0">
-                <a:solidFill>
-                  <a:schemeClr val="accent6"/>
-                </a:solidFill>
-              </a:rPr>
-              <a:t>enterprisearchi</a:t>
-            </a:r>
-            <a:endParaRPr lang="en-US" sz="2400" b="1" dirty="0">
-              <a:solidFill>
-                <a:schemeClr val="accent6"/>
               </a:solidFill>
             </a:endParaRPr>
           </a:p>
@@ -21148,7 +20891,7 @@
         </p:nvSpPr>
         <p:spPr>
           <a:xfrm>
-            <a:off x="18941439" y="37592712"/>
+            <a:off x="19073035" y="38008209"/>
             <a:ext cx="4722318" cy="523220"/>
           </a:xfrm>
           <a:prstGeom prst="rect">
@@ -21188,6 +20931,211 @@
             <a:endParaRPr lang="en-GB" sz="2800" b="1" dirty="0">
               <a:solidFill>
                 <a:schemeClr val="bg1"/>
+              </a:solidFill>
+            </a:endParaRPr>
+          </a:p>
+        </p:txBody>
+      </p:sp>
+      <p:pic>
+        <p:nvPicPr>
+          <p:cNvPr id="82" name="Shape 138"/>
+          <p:cNvPicPr preferRelativeResize="0"/>
+          <p:nvPr/>
+        </p:nvPicPr>
+        <p:blipFill rotWithShape="1">
+          <a:blip r:embed="rId20">
+            <a:alphaModFix/>
+          </a:blip>
+          <a:srcRect l="52235" t="5875" b="9957"/>
+          <a:stretch/>
+        </p:blipFill>
+        <p:spPr>
+          <a:xfrm>
+            <a:off x="216960" y="39901172"/>
+            <a:ext cx="4985923" cy="2815871"/>
+          </a:xfrm>
+          <a:prstGeom prst="rect">
+            <a:avLst/>
+          </a:prstGeom>
+          <a:noFill/>
+          <a:ln>
+            <a:noFill/>
+          </a:ln>
+        </p:spPr>
+      </p:pic>
+      <p:cxnSp>
+        <p:nvCxnSpPr>
+          <p:cNvPr id="84" name="Gerader Verbinder 10"/>
+          <p:cNvCxnSpPr/>
+          <p:nvPr/>
+        </p:nvCxnSpPr>
+        <p:spPr>
+          <a:xfrm>
+            <a:off x="15697691" y="29278856"/>
+            <a:ext cx="14563924" cy="36004"/>
+          </a:xfrm>
+          <a:prstGeom prst="line">
+            <a:avLst/>
+          </a:prstGeom>
+          <a:ln/>
+        </p:spPr>
+        <p:style>
+          <a:lnRef idx="1">
+            <a:schemeClr val="accent1"/>
+          </a:lnRef>
+          <a:fillRef idx="0">
+            <a:schemeClr val="accent1"/>
+          </a:fillRef>
+          <a:effectRef idx="0">
+            <a:schemeClr val="accent1"/>
+          </a:effectRef>
+          <a:fontRef idx="minor">
+            <a:schemeClr val="tx1"/>
+          </a:fontRef>
+        </p:style>
+      </p:cxnSp>
+      <p:sp>
+        <p:nvSpPr>
+          <p:cNvPr id="85" name="TextBox 84"/>
+          <p:cNvSpPr txBox="1"/>
+          <p:nvPr/>
+        </p:nvSpPr>
+        <p:spPr>
+          <a:xfrm flipH="1">
+            <a:off x="16256111" y="29121458"/>
+            <a:ext cx="13427733" cy="4247317"/>
+          </a:xfrm>
+          <a:prstGeom prst="rect">
+            <a:avLst/>
+          </a:prstGeom>
+          <a:noFill/>
+        </p:spPr>
+        <p:txBody>
+          <a:bodyPr wrap="square" rtlCol="0">
+            <a:spAutoFit/>
+          </a:bodyPr>
+          <a:lstStyle/>
+          <a:p>
+            <a:pPr algn="just"/>
+            <a:r>
+              <a:rPr lang="en-GB" sz="5400" b="1" dirty="0" smtClean="0">
+                <a:solidFill>
+                  <a:schemeClr val="accent1">
+                    <a:lumMod val="75000"/>
+                  </a:schemeClr>
+                </a:solidFill>
+              </a:rPr>
+              <a:t>Documentation</a:t>
+            </a:r>
+            <a:endParaRPr lang="en-US" sz="3600" dirty="0" smtClean="0"/>
+          </a:p>
+          <a:p>
+            <a:pPr>
+              <a:buClr>
+                <a:srgbClr val="002060"/>
+              </a:buClr>
+            </a:pPr>
+            <a:r>
+              <a:rPr lang="en-US" sz="3600" b="1" dirty="0">
+                <a:solidFill>
+                  <a:schemeClr val="accent1">
+                    <a:lumMod val="75000"/>
+                  </a:schemeClr>
+                </a:solidFill>
+              </a:rPr>
+              <a:t>Detailed information about EA models: </a:t>
+            </a:r>
+          </a:p>
+          <a:p>
+            <a:pPr marL="571500" indent="-571500">
+              <a:buClr>
+                <a:srgbClr val="002060"/>
+              </a:buClr>
+              <a:buFont typeface="Arial" panose="020B0604020202020204" pitchFamily="34" charset="0"/>
+              <a:buChar char="•"/>
+            </a:pPr>
+            <a:r>
+              <a:rPr lang="en-US" sz="3600" dirty="0" smtClean="0"/>
+              <a:t>Framework , Layers, Organizational Structure</a:t>
+            </a:r>
+          </a:p>
+          <a:p>
+            <a:pPr marL="571500" indent="-571500">
+              <a:buClr>
+                <a:srgbClr val="002060"/>
+              </a:buClr>
+              <a:buFont typeface="Arial" panose="020B0604020202020204" pitchFamily="34" charset="0"/>
+              <a:buChar char="•"/>
+            </a:pPr>
+            <a:r>
+              <a:rPr lang="en-US" sz="3600" dirty="0" smtClean="0"/>
+              <a:t>Business Process Models</a:t>
+            </a:r>
+          </a:p>
+          <a:p>
+            <a:pPr marL="571500" indent="-571500">
+              <a:buClr>
+                <a:srgbClr val="002060"/>
+              </a:buClr>
+              <a:buFont typeface="Arial" panose="020B0604020202020204" pitchFamily="34" charset="0"/>
+              <a:buChar char="•"/>
+            </a:pPr>
+            <a:r>
+              <a:rPr lang="en-US" sz="3600" dirty="0" smtClean="0"/>
+              <a:t>Application, Data and Technology Architecture</a:t>
+            </a:r>
+          </a:p>
+          <a:p>
+            <a:pPr>
+              <a:buClr>
+                <a:srgbClr val="002060"/>
+              </a:buClr>
+            </a:pPr>
+            <a:r>
+              <a:rPr lang="en-US" altLang="zh-CN" sz="3600" b="1" dirty="0">
+                <a:solidFill>
+                  <a:schemeClr val="accent1">
+                    <a:lumMod val="75000"/>
+                  </a:schemeClr>
+                </a:solidFill>
+              </a:rPr>
+              <a:t>User </a:t>
+            </a:r>
+            <a:r>
+              <a:rPr lang="en-US" altLang="zh-CN" sz="3600" b="1" dirty="0" smtClean="0">
+                <a:solidFill>
+                  <a:schemeClr val="accent1">
+                    <a:lumMod val="75000"/>
+                  </a:schemeClr>
+                </a:solidFill>
+              </a:rPr>
+              <a:t>Manual:</a:t>
+            </a:r>
+            <a:endParaRPr lang="en-US" sz="3600" b="1" dirty="0">
+              <a:solidFill>
+                <a:schemeClr val="accent1">
+                  <a:lumMod val="75000"/>
+                </a:schemeClr>
+              </a:solidFill>
+            </a:endParaRPr>
+          </a:p>
+          <a:p>
+            <a:pPr marL="571500" indent="-571500">
+              <a:buClr>
+                <a:srgbClr val="002060"/>
+              </a:buClr>
+              <a:buFont typeface="Arial" panose="020B0604020202020204" pitchFamily="34" charset="0"/>
+              <a:buChar char="•"/>
+            </a:pPr>
+            <a:r>
+              <a:rPr lang="en-US" sz="3600" dirty="0" smtClean="0"/>
+              <a:t>BPMN and Archimate notations</a:t>
+            </a:r>
+            <a:endParaRPr lang="en-GB" sz="5400" b="1" dirty="0" smtClean="0">
+              <a:solidFill>
+                <a:schemeClr val="accent1">
+                  <a:lumMod val="75000"/>
+                </a:schemeClr>
               </a:solidFill>
             </a:endParaRPr>
           </a:p>
